--- a/보고서/학사관리시스템_침대학교_프로젝트_발표용ppt._v1.1.pptx
+++ b/보고서/학사관리시스템_침대학교_프로젝트_발표용ppt._v1.1.pptx
@@ -279,7 +279,7 @@
                 </a:solidFill>
               </a:rPr>
               <a:pPr/>
-              <a:t>2023-05-09(Tue)</a:t>
+              <a:t>2023-05-10(Wed)</a:t>
             </a:fld>
             <a:endParaRPr lang="ko-KR" altLang="en-US" dirty="0">
               <a:solidFill>
@@ -509,7 +509,7 @@
                 </a:solidFill>
               </a:rPr>
               <a:pPr/>
-              <a:t>2023-05-09(Tue)</a:t>
+              <a:t>2023-05-10(Wed)</a:t>
             </a:fld>
             <a:endParaRPr lang="ko-KR" altLang="en-US" dirty="0">
               <a:solidFill>
@@ -749,7 +749,7 @@
                 </a:solidFill>
               </a:rPr>
               <a:pPr/>
-              <a:t>2023-05-09(Tue)</a:t>
+              <a:t>2023-05-10(Wed)</a:t>
             </a:fld>
             <a:endParaRPr lang="ko-KR" altLang="en-US" dirty="0">
               <a:solidFill>
@@ -1043,7 +1043,7 @@
                 <a:tabLst/>
                 <a:defRPr/>
               </a:pPr>
-              <a:t>2023-05-09(Tue)</a:t>
+              <a:t>2023-05-10(Wed)</a:t>
             </a:fld>
             <a:endParaRPr kumimoji="0" lang="ko-KR" altLang="en-US" sz="1200" b="0" i="0" u="none" strike="noStrike" kern="1200" cap="none" spc="0" normalizeH="0" baseline="0" noProof="0" dirty="0">
               <a:ln>
@@ -1401,7 +1401,7 @@
                 <a:tabLst/>
                 <a:defRPr/>
               </a:pPr>
-              <a:t>2023-05-09(Tue)</a:t>
+              <a:t>2023-05-10(Wed)</a:t>
             </a:fld>
             <a:endParaRPr kumimoji="0" lang="ko-KR" altLang="en-US" sz="1200" b="0" i="0" u="none" strike="noStrike" kern="1200" cap="none" spc="0" normalizeH="0" baseline="0" noProof="0" dirty="0">
               <a:ln>
@@ -1836,7 +1836,7 @@
                 <a:tabLst/>
                 <a:defRPr/>
               </a:pPr>
-              <a:t>2023-05-09(Tue)</a:t>
+              <a:t>2023-05-10(Wed)</a:t>
             </a:fld>
             <a:endParaRPr kumimoji="0" lang="ko-KR" altLang="en-US" sz="1200" b="0" i="0" u="none" strike="noStrike" kern="1200" cap="none" spc="0" normalizeH="0" baseline="0" noProof="0" dirty="0">
               <a:ln>
@@ -2261,7 +2261,7 @@
                 <a:tabLst/>
                 <a:defRPr/>
               </a:pPr>
-              <a:t>2023-05-09(Tue)</a:t>
+              <a:t>2023-05-10(Wed)</a:t>
             </a:fld>
             <a:endParaRPr kumimoji="0" lang="ko-KR" altLang="en-US" sz="1200" b="0" i="0" u="none" strike="noStrike" kern="1200" cap="none" spc="0" normalizeH="0" baseline="0" noProof="0" dirty="0">
               <a:ln>
@@ -2833,7 +2833,7 @@
                 <a:tabLst/>
                 <a:defRPr/>
               </a:pPr>
-              <a:t>2023-05-09(Tue)</a:t>
+              <a:t>2023-05-10(Wed)</a:t>
             </a:fld>
             <a:endParaRPr kumimoji="0" lang="ko-KR" altLang="en-US" sz="1200" b="0" i="0" u="none" strike="noStrike" kern="1200" cap="none" spc="0" normalizeH="0" baseline="0" noProof="0" dirty="0">
               <a:ln>
@@ -3134,7 +3134,7 @@
                 <a:tabLst/>
                 <a:defRPr/>
               </a:pPr>
-              <a:t>2023-05-09(Tue)</a:t>
+              <a:t>2023-05-10(Wed)</a:t>
             </a:fld>
             <a:endParaRPr kumimoji="0" lang="ko-KR" altLang="en-US" sz="1200" b="0" i="0" u="none" strike="noStrike" kern="1200" cap="none" spc="0" normalizeH="0" baseline="0" noProof="0" dirty="0">
               <a:ln>
@@ -3407,7 +3407,7 @@
                 <a:tabLst/>
                 <a:defRPr/>
               </a:pPr>
-              <a:t>2023-05-09(Tue)</a:t>
+              <a:t>2023-05-10(Wed)</a:t>
             </a:fld>
             <a:endParaRPr kumimoji="0" lang="ko-KR" altLang="en-US" sz="1200" b="0" i="0" u="none" strike="noStrike" kern="1200" cap="none" spc="0" normalizeH="0" baseline="0" noProof="0" dirty="0">
               <a:ln>
@@ -3878,7 +3878,7 @@
                 <a:tabLst/>
                 <a:defRPr/>
               </a:pPr>
-              <a:t>2023-05-09(Tue)</a:t>
+              <a:t>2023-05-10(Wed)</a:t>
             </a:fld>
             <a:endParaRPr kumimoji="0" lang="ko-KR" altLang="en-US" sz="1200" b="0" i="0" u="none" strike="noStrike" kern="1200" cap="none" spc="0" normalizeH="0" baseline="0" noProof="0" dirty="0">
               <a:ln>
@@ -4194,7 +4194,7 @@
                 </a:solidFill>
               </a:rPr>
               <a:pPr/>
-              <a:t>2023-05-09(Tue)</a:t>
+              <a:t>2023-05-10(Wed)</a:t>
             </a:fld>
             <a:endParaRPr lang="ko-KR" altLang="en-US" dirty="0">
               <a:solidFill>
@@ -4556,7 +4556,7 @@
                 <a:tabLst/>
                 <a:defRPr/>
               </a:pPr>
-              <a:t>2023-05-09(Tue)</a:t>
+              <a:t>2023-05-10(Wed)</a:t>
             </a:fld>
             <a:endParaRPr kumimoji="0" lang="ko-KR" altLang="en-US" sz="1200" b="0" i="0" u="none" strike="noStrike" kern="1200" cap="none" spc="0" normalizeH="0" baseline="0" noProof="0" dirty="0">
               <a:ln>
@@ -4914,7 +4914,7 @@
                 <a:tabLst/>
                 <a:defRPr/>
               </a:pPr>
-              <a:t>2023-05-09(Tue)</a:t>
+              <a:t>2023-05-10(Wed)</a:t>
             </a:fld>
             <a:endParaRPr kumimoji="0" lang="ko-KR" altLang="en-US" sz="1200" b="0" i="0" u="none" strike="noStrike" kern="1200" cap="none" spc="0" normalizeH="0" baseline="0" noProof="0" dirty="0">
               <a:ln>
@@ -5282,7 +5282,7 @@
                 <a:tabLst/>
                 <a:defRPr/>
               </a:pPr>
-              <a:t>2023-05-09(Tue)</a:t>
+              <a:t>2023-05-10(Wed)</a:t>
             </a:fld>
             <a:endParaRPr kumimoji="0" lang="ko-KR" altLang="en-US" sz="1200" b="0" i="0" u="none" strike="noStrike" kern="1200" cap="none" spc="0" normalizeH="0" baseline="0" noProof="0" dirty="0">
               <a:ln>
@@ -5675,7 +5675,7 @@
                 </a:solidFill>
               </a:rPr>
               <a:pPr/>
-              <a:t>2023-05-09(Tue)</a:t>
+              <a:t>2023-05-10(Wed)</a:t>
             </a:fld>
             <a:endParaRPr lang="ko-KR" altLang="en-US" dirty="0">
               <a:solidFill>
@@ -5972,7 +5972,7 @@
                 </a:solidFill>
               </a:rPr>
               <a:pPr/>
-              <a:t>2023-05-09(Tue)</a:t>
+              <a:t>2023-05-10(Wed)</a:t>
             </a:fld>
             <a:endParaRPr lang="ko-KR" altLang="en-US" dirty="0">
               <a:solidFill>
@@ -6416,7 +6416,7 @@
                 </a:solidFill>
               </a:rPr>
               <a:pPr/>
-              <a:t>2023-05-09(Tue)</a:t>
+              <a:t>2023-05-10(Wed)</a:t>
             </a:fld>
             <a:endParaRPr lang="ko-KR" altLang="en-US" dirty="0">
               <a:solidFill>
@@ -6589,7 +6589,7 @@
                 </a:solidFill>
               </a:rPr>
               <a:pPr/>
-              <a:t>2023-05-09(Tue)</a:t>
+              <a:t>2023-05-10(Wed)</a:t>
             </a:fld>
             <a:endParaRPr lang="ko-KR" altLang="en-US" dirty="0">
               <a:solidFill>
@@ -6734,7 +6734,7 @@
                 </a:solidFill>
               </a:rPr>
               <a:pPr/>
-              <a:t>2023-05-09(Tue)</a:t>
+              <a:t>2023-05-10(Wed)</a:t>
             </a:fld>
             <a:endParaRPr lang="ko-KR" altLang="en-US" dirty="0">
               <a:solidFill>
@@ -7077,7 +7077,7 @@
                 </a:solidFill>
               </a:rPr>
               <a:pPr/>
-              <a:t>2023-05-09(Tue)</a:t>
+              <a:t>2023-05-10(Wed)</a:t>
             </a:fld>
             <a:endParaRPr lang="ko-KR" altLang="en-US" dirty="0">
               <a:solidFill>
@@ -7397,7 +7397,7 @@
                 </a:solidFill>
               </a:rPr>
               <a:pPr/>
-              <a:t>2023-05-09(Tue)</a:t>
+              <a:t>2023-05-10(Wed)</a:t>
             </a:fld>
             <a:endParaRPr lang="ko-KR" altLang="en-US" dirty="0">
               <a:solidFill>
@@ -7670,7 +7670,7 @@
                 </a:solidFill>
               </a:rPr>
               <a:pPr/>
-              <a:t>2023-05-09(Tue)</a:t>
+              <a:t>2023-05-10(Wed)</a:t>
             </a:fld>
             <a:endParaRPr lang="ko-KR" altLang="en-US" dirty="0">
               <a:solidFill>
@@ -8312,7 +8312,7 @@
                 <a:tabLst/>
                 <a:defRPr/>
               </a:pPr>
-              <a:t>2023-05-09(Tue)</a:t>
+              <a:t>2023-05-10(Wed)</a:t>
             </a:fld>
             <a:endParaRPr kumimoji="0" lang="ko-KR" altLang="en-US" sz="1200" b="0" i="0" u="none" strike="noStrike" kern="1200" cap="none" spc="0" normalizeH="0" baseline="0" noProof="0" dirty="0">
               <a:ln>
@@ -12175,15 +12175,7 @@
                     <a:schemeClr val="tx1"/>
                   </a:solidFill>
                 </a:rPr>
-                <a:t>도서 </a:t>
-              </a:r>
-              <a:r>
-                <a:rPr lang="ko-KR" altLang="en-US" dirty="0" smtClean="0">
-                  <a:solidFill>
-                    <a:schemeClr val="tx1"/>
-                  </a:solidFill>
-                </a:rPr>
-                <a:t>목록</a:t>
+                <a:t>도서 목록</a:t>
               </a:r>
               <a:endParaRPr lang="en-US" altLang="ko-KR" dirty="0" smtClean="0">
                 <a:solidFill>
@@ -22631,18 +22623,18 @@
               <a:t>2023.03.06 </a:t>
             </a:r>
             <a:r>
-              <a:rPr lang="en-US" altLang="ko-KR" sz="1400" dirty="0">
+              <a:rPr lang="en-US" altLang="ko-KR" sz="1400">
                 <a:latin typeface="Noto Sans KR" panose="020B0500000000000000" pitchFamily="34" charset="-127"/>
                 <a:ea typeface="Noto Sans KR" panose="020B0500000000000000" pitchFamily="34" charset="-127"/>
               </a:rPr>
               <a:t>~ </a:t>
             </a:r>
             <a:r>
-              <a:rPr lang="en-US" altLang="ko-KR" sz="1400" dirty="0" smtClean="0">
+              <a:rPr lang="en-US" altLang="ko-KR" sz="1400" smtClean="0">
                 <a:latin typeface="Noto Sans KR" panose="020B0500000000000000" pitchFamily="34" charset="-127"/>
                 <a:ea typeface="Noto Sans KR" panose="020B0500000000000000" pitchFamily="34" charset="-127"/>
               </a:rPr>
-              <a:t>2022.03.24</a:t>
+              <a:t>2023.03.24</a:t>
             </a:r>
             <a:endParaRPr lang="ko-KR" altLang="en-US" sz="1400" dirty="0">
               <a:latin typeface="Noto Sans KR" panose="020B0500000000000000" pitchFamily="34" charset="-127"/>

--- a/보고서/학사관리시스템_침대학교_프로젝트_발표용ppt._v1.1.pptx
+++ b/보고서/학사관리시스템_침대학교_프로젝트_발표용ppt._v1.1.pptx
@@ -19,6 +19,7 @@
     <p:sldId id="290" r:id="rId13"/>
     <p:sldId id="291" r:id="rId14"/>
     <p:sldId id="298" r:id="rId15"/>
+    <p:sldId id="299" r:id="rId16"/>
   </p:sldIdLst>
   <p:sldSz cx="12192000" cy="6858000"/>
   <p:notesSz cx="6858000" cy="9144000"/>
@@ -279,7 +280,7 @@
                 </a:solidFill>
               </a:rPr>
               <a:pPr/>
-              <a:t>2023-05-10(Wed)</a:t>
+              <a:t>2023-05-11(Thu)</a:t>
             </a:fld>
             <a:endParaRPr lang="ko-KR" altLang="en-US" dirty="0">
               <a:solidFill>
@@ -509,7 +510,7 @@
                 </a:solidFill>
               </a:rPr>
               <a:pPr/>
-              <a:t>2023-05-10(Wed)</a:t>
+              <a:t>2023-05-11(Thu)</a:t>
             </a:fld>
             <a:endParaRPr lang="ko-KR" altLang="en-US" dirty="0">
               <a:solidFill>
@@ -749,7 +750,7 @@
                 </a:solidFill>
               </a:rPr>
               <a:pPr/>
-              <a:t>2023-05-10(Wed)</a:t>
+              <a:t>2023-05-11(Thu)</a:t>
             </a:fld>
             <a:endParaRPr lang="ko-KR" altLang="en-US" dirty="0">
               <a:solidFill>
@@ -1043,7 +1044,7 @@
                 <a:tabLst/>
                 <a:defRPr/>
               </a:pPr>
-              <a:t>2023-05-10(Wed)</a:t>
+              <a:t>2023-05-11(Thu)</a:t>
             </a:fld>
             <a:endParaRPr kumimoji="0" lang="ko-KR" altLang="en-US" sz="1200" b="0" i="0" u="none" strike="noStrike" kern="1200" cap="none" spc="0" normalizeH="0" baseline="0" noProof="0" dirty="0">
               <a:ln>
@@ -1401,7 +1402,7 @@
                 <a:tabLst/>
                 <a:defRPr/>
               </a:pPr>
-              <a:t>2023-05-10(Wed)</a:t>
+              <a:t>2023-05-11(Thu)</a:t>
             </a:fld>
             <a:endParaRPr kumimoji="0" lang="ko-KR" altLang="en-US" sz="1200" b="0" i="0" u="none" strike="noStrike" kern="1200" cap="none" spc="0" normalizeH="0" baseline="0" noProof="0" dirty="0">
               <a:ln>
@@ -1836,7 +1837,7 @@
                 <a:tabLst/>
                 <a:defRPr/>
               </a:pPr>
-              <a:t>2023-05-10(Wed)</a:t>
+              <a:t>2023-05-11(Thu)</a:t>
             </a:fld>
             <a:endParaRPr kumimoji="0" lang="ko-KR" altLang="en-US" sz="1200" b="0" i="0" u="none" strike="noStrike" kern="1200" cap="none" spc="0" normalizeH="0" baseline="0" noProof="0" dirty="0">
               <a:ln>
@@ -2261,7 +2262,7 @@
                 <a:tabLst/>
                 <a:defRPr/>
               </a:pPr>
-              <a:t>2023-05-10(Wed)</a:t>
+              <a:t>2023-05-11(Thu)</a:t>
             </a:fld>
             <a:endParaRPr kumimoji="0" lang="ko-KR" altLang="en-US" sz="1200" b="0" i="0" u="none" strike="noStrike" kern="1200" cap="none" spc="0" normalizeH="0" baseline="0" noProof="0" dirty="0">
               <a:ln>
@@ -2833,7 +2834,7 @@
                 <a:tabLst/>
                 <a:defRPr/>
               </a:pPr>
-              <a:t>2023-05-10(Wed)</a:t>
+              <a:t>2023-05-11(Thu)</a:t>
             </a:fld>
             <a:endParaRPr kumimoji="0" lang="ko-KR" altLang="en-US" sz="1200" b="0" i="0" u="none" strike="noStrike" kern="1200" cap="none" spc="0" normalizeH="0" baseline="0" noProof="0" dirty="0">
               <a:ln>
@@ -3134,7 +3135,7 @@
                 <a:tabLst/>
                 <a:defRPr/>
               </a:pPr>
-              <a:t>2023-05-10(Wed)</a:t>
+              <a:t>2023-05-11(Thu)</a:t>
             </a:fld>
             <a:endParaRPr kumimoji="0" lang="ko-KR" altLang="en-US" sz="1200" b="0" i="0" u="none" strike="noStrike" kern="1200" cap="none" spc="0" normalizeH="0" baseline="0" noProof="0" dirty="0">
               <a:ln>
@@ -3407,7 +3408,7 @@
                 <a:tabLst/>
                 <a:defRPr/>
               </a:pPr>
-              <a:t>2023-05-10(Wed)</a:t>
+              <a:t>2023-05-11(Thu)</a:t>
             </a:fld>
             <a:endParaRPr kumimoji="0" lang="ko-KR" altLang="en-US" sz="1200" b="0" i="0" u="none" strike="noStrike" kern="1200" cap="none" spc="0" normalizeH="0" baseline="0" noProof="0" dirty="0">
               <a:ln>
@@ -3878,7 +3879,7 @@
                 <a:tabLst/>
                 <a:defRPr/>
               </a:pPr>
-              <a:t>2023-05-10(Wed)</a:t>
+              <a:t>2023-05-11(Thu)</a:t>
             </a:fld>
             <a:endParaRPr kumimoji="0" lang="ko-KR" altLang="en-US" sz="1200" b="0" i="0" u="none" strike="noStrike" kern="1200" cap="none" spc="0" normalizeH="0" baseline="0" noProof="0" dirty="0">
               <a:ln>
@@ -4194,7 +4195,7 @@
                 </a:solidFill>
               </a:rPr>
               <a:pPr/>
-              <a:t>2023-05-10(Wed)</a:t>
+              <a:t>2023-05-11(Thu)</a:t>
             </a:fld>
             <a:endParaRPr lang="ko-KR" altLang="en-US" dirty="0">
               <a:solidFill>
@@ -4556,7 +4557,7 @@
                 <a:tabLst/>
                 <a:defRPr/>
               </a:pPr>
-              <a:t>2023-05-10(Wed)</a:t>
+              <a:t>2023-05-11(Thu)</a:t>
             </a:fld>
             <a:endParaRPr kumimoji="0" lang="ko-KR" altLang="en-US" sz="1200" b="0" i="0" u="none" strike="noStrike" kern="1200" cap="none" spc="0" normalizeH="0" baseline="0" noProof="0" dirty="0">
               <a:ln>
@@ -4914,7 +4915,7 @@
                 <a:tabLst/>
                 <a:defRPr/>
               </a:pPr>
-              <a:t>2023-05-10(Wed)</a:t>
+              <a:t>2023-05-11(Thu)</a:t>
             </a:fld>
             <a:endParaRPr kumimoji="0" lang="ko-KR" altLang="en-US" sz="1200" b="0" i="0" u="none" strike="noStrike" kern="1200" cap="none" spc="0" normalizeH="0" baseline="0" noProof="0" dirty="0">
               <a:ln>
@@ -5282,7 +5283,7 @@
                 <a:tabLst/>
                 <a:defRPr/>
               </a:pPr>
-              <a:t>2023-05-10(Wed)</a:t>
+              <a:t>2023-05-11(Thu)</a:t>
             </a:fld>
             <a:endParaRPr kumimoji="0" lang="ko-KR" altLang="en-US" sz="1200" b="0" i="0" u="none" strike="noStrike" kern="1200" cap="none" spc="0" normalizeH="0" baseline="0" noProof="0" dirty="0">
               <a:ln>
@@ -5675,7 +5676,7 @@
                 </a:solidFill>
               </a:rPr>
               <a:pPr/>
-              <a:t>2023-05-10(Wed)</a:t>
+              <a:t>2023-05-11(Thu)</a:t>
             </a:fld>
             <a:endParaRPr lang="ko-KR" altLang="en-US" dirty="0">
               <a:solidFill>
@@ -5972,7 +5973,7 @@
                 </a:solidFill>
               </a:rPr>
               <a:pPr/>
-              <a:t>2023-05-10(Wed)</a:t>
+              <a:t>2023-05-11(Thu)</a:t>
             </a:fld>
             <a:endParaRPr lang="ko-KR" altLang="en-US" dirty="0">
               <a:solidFill>
@@ -6416,7 +6417,7 @@
                 </a:solidFill>
               </a:rPr>
               <a:pPr/>
-              <a:t>2023-05-10(Wed)</a:t>
+              <a:t>2023-05-11(Thu)</a:t>
             </a:fld>
             <a:endParaRPr lang="ko-KR" altLang="en-US" dirty="0">
               <a:solidFill>
@@ -6589,7 +6590,7 @@
                 </a:solidFill>
               </a:rPr>
               <a:pPr/>
-              <a:t>2023-05-10(Wed)</a:t>
+              <a:t>2023-05-11(Thu)</a:t>
             </a:fld>
             <a:endParaRPr lang="ko-KR" altLang="en-US" dirty="0">
               <a:solidFill>
@@ -6734,7 +6735,7 @@
                 </a:solidFill>
               </a:rPr>
               <a:pPr/>
-              <a:t>2023-05-10(Wed)</a:t>
+              <a:t>2023-05-11(Thu)</a:t>
             </a:fld>
             <a:endParaRPr lang="ko-KR" altLang="en-US" dirty="0">
               <a:solidFill>
@@ -7077,7 +7078,7 @@
                 </a:solidFill>
               </a:rPr>
               <a:pPr/>
-              <a:t>2023-05-10(Wed)</a:t>
+              <a:t>2023-05-11(Thu)</a:t>
             </a:fld>
             <a:endParaRPr lang="ko-KR" altLang="en-US" dirty="0">
               <a:solidFill>
@@ -7397,7 +7398,7 @@
                 </a:solidFill>
               </a:rPr>
               <a:pPr/>
-              <a:t>2023-05-10(Wed)</a:t>
+              <a:t>2023-05-11(Thu)</a:t>
             </a:fld>
             <a:endParaRPr lang="ko-KR" altLang="en-US" dirty="0">
               <a:solidFill>
@@ -7670,7 +7671,7 @@
                 </a:solidFill>
               </a:rPr>
               <a:pPr/>
-              <a:t>2023-05-10(Wed)</a:t>
+              <a:t>2023-05-11(Thu)</a:t>
             </a:fld>
             <a:endParaRPr lang="ko-KR" altLang="en-US" dirty="0">
               <a:solidFill>
@@ -8312,7 +8313,7 @@
                 <a:tabLst/>
                 <a:defRPr/>
               </a:pPr>
-              <a:t>2023-05-10(Wed)</a:t>
+              <a:t>2023-05-11(Thu)</a:t>
             </a:fld>
             <a:endParaRPr kumimoji="0" lang="ko-KR" altLang="en-US" sz="1200" b="0" i="0" u="none" strike="noStrike" kern="1200" cap="none" spc="0" normalizeH="0" baseline="0" noProof="0" dirty="0">
               <a:ln>
@@ -15278,7 +15279,7 @@
         <p:spPr>
           <a:xfrm>
             <a:off x="2159776" y="2984083"/>
-            <a:ext cx="7638180" cy="954107"/>
+            <a:ext cx="7638180" cy="523220"/>
           </a:xfrm>
           <a:prstGeom prst="rect">
             <a:avLst/>
@@ -15343,6 +15344,328 @@
               <a:t>. </a:t>
             </a:r>
           </a:p>
+        </p:txBody>
+      </p:sp>
+    </p:spTree>
+    <p:extLst>
+      <p:ext uri="{BB962C8B-B14F-4D97-AF65-F5344CB8AC3E}">
+        <p14:creationId xmlns:p14="http://schemas.microsoft.com/office/powerpoint/2010/main" val="973057320"/>
+      </p:ext>
+    </p:extLst>
+  </p:cSld>
+  <p:clrMapOvr>
+    <a:masterClrMapping/>
+  </p:clrMapOvr>
+  <mc:AlternateContent xmlns:mc="http://schemas.openxmlformats.org/markup-compatibility/2006" xmlns:p14="http://schemas.microsoft.com/office/powerpoint/2010/main">
+    <mc:Choice Requires="p14">
+      <p:transition spd="med" p14:dur="700">
+        <p:fade/>
+      </p:transition>
+    </mc:Choice>
+    <mc:Fallback xmlns="">
+      <p:transition spd="med">
+        <p:fade/>
+      </p:transition>
+    </mc:Fallback>
+  </mc:AlternateContent>
+  <p:timing>
+    <p:tnLst>
+      <p:par>
+        <p:cTn id="1" dur="indefinite" restart="never" nodeType="tmRoot"/>
+      </p:par>
+    </p:tnLst>
+  </p:timing>
+</p:sld>
+</file>
+
+<file path=ppt/slides/slide14.xml><?xml version="1.0" encoding="utf-8"?>
+<p:sld xmlns:a="http://schemas.openxmlformats.org/drawingml/2006/main" xmlns:r="http://schemas.openxmlformats.org/officeDocument/2006/relationships" xmlns:p="http://schemas.openxmlformats.org/presentationml/2006/main">
+  <p:cSld>
+    <p:bg>
+      <p:bgPr>
+        <a:solidFill>
+          <a:srgbClr val="8C96B1"/>
+        </a:solidFill>
+        <a:effectLst/>
+      </p:bgPr>
+    </p:bg>
+    <p:spTree>
+      <p:nvGrpSpPr>
+        <p:cNvPr id="1" name=""/>
+        <p:cNvGrpSpPr/>
+        <p:nvPr/>
+      </p:nvGrpSpPr>
+      <p:grpSpPr>
+        <a:xfrm>
+          <a:off x="0" y="0"/>
+          <a:ext cx="0" cy="0"/>
+          <a:chOff x="0" y="0"/>
+          <a:chExt cx="0" cy="0"/>
+        </a:xfrm>
+      </p:grpSpPr>
+      <p:sp>
+        <p:nvSpPr>
+          <p:cNvPr id="6" name="직사각형 5">
+            <a:extLst>
+              <a:ext uri="{FF2B5EF4-FFF2-40B4-BE49-F238E27FC236}">
+                <a16:creationId xmlns:a16="http://schemas.microsoft.com/office/drawing/2014/main" id="{5ACE434D-6D45-496A-925D-6B1D70DB8498}"/>
+              </a:ext>
+            </a:extLst>
+          </p:cNvPr>
+          <p:cNvSpPr/>
+          <p:nvPr/>
+        </p:nvSpPr>
+        <p:spPr>
+          <a:xfrm>
+            <a:off x="138722" y="121631"/>
+            <a:ext cx="11826240" cy="6510528"/>
+          </a:xfrm>
+          <a:prstGeom prst="rect">
+            <a:avLst/>
+          </a:prstGeom>
+          <a:gradFill flip="none" rotWithShape="1">
+            <a:gsLst>
+              <a:gs pos="12000">
+                <a:schemeClr val="bg1">
+                  <a:lumMod val="95000"/>
+                </a:schemeClr>
+              </a:gs>
+              <a:gs pos="12000">
+                <a:schemeClr val="bg1"/>
+              </a:gs>
+            </a:gsLst>
+            <a:lin ang="0" scaled="1"/>
+            <a:tileRect/>
+          </a:gradFill>
+          <a:ln>
+            <a:noFill/>
+          </a:ln>
+          <a:effectLst>
+            <a:outerShdw blurRad="215900" dist="63500" dir="13500000" algn="br" rotWithShape="0">
+              <a:prstClr val="black">
+                <a:alpha val="31000"/>
+              </a:prstClr>
+            </a:outerShdw>
+          </a:effectLst>
+        </p:spPr>
+        <p:style>
+          <a:lnRef idx="2">
+            <a:schemeClr val="accent1">
+              <a:shade val="50000"/>
+            </a:schemeClr>
+          </a:lnRef>
+          <a:fillRef idx="1">
+            <a:schemeClr val="accent1"/>
+          </a:fillRef>
+          <a:effectRef idx="0">
+            <a:schemeClr val="accent1"/>
+          </a:effectRef>
+          <a:fontRef idx="minor">
+            <a:schemeClr val="lt1"/>
+          </a:fontRef>
+        </p:style>
+        <p:txBody>
+          <a:bodyPr tIns="252000" rtlCol="0" anchor="t"/>
+          <a:lstStyle/>
+          <a:p>
+            <a:pPr marL="0" marR="0" lvl="0" indent="0" algn="l" defTabSz="914400" rtl="0" eaLnBrk="1" fontAlgn="auto" latinLnBrk="0" hangingPunct="1">
+              <a:lnSpc>
+                <a:spcPct val="100000"/>
+              </a:lnSpc>
+              <a:spcBef>
+                <a:spcPct val="0"/>
+              </a:spcBef>
+              <a:spcAft>
+                <a:spcPts val="0"/>
+              </a:spcAft>
+              <a:buClrTx/>
+              <a:buSzTx/>
+              <a:buFontTx/>
+              <a:buNone/>
+              <a:tabLst/>
+              <a:defRPr/>
+            </a:pPr>
+            <a:endParaRPr kumimoji="0" lang="en-US" altLang="ko-KR" sz="2400" b="0" i="0" u="none" strike="noStrike" kern="0" cap="none" spc="0" normalizeH="0" baseline="0" noProof="0" dirty="0">
+              <a:ln w="25400">
+                <a:noFill/>
+              </a:ln>
+              <a:solidFill>
+                <a:srgbClr val="E7E6E6">
+                  <a:lumMod val="25000"/>
+                </a:srgbClr>
+              </a:solidFill>
+              <a:effectLst/>
+              <a:uLnTx/>
+              <a:uFillTx/>
+              <a:latin typeface="HY견고딕" panose="02030600000101010101" pitchFamily="18" charset="-127"/>
+              <a:ea typeface="HY견고딕" panose="02030600000101010101" pitchFamily="18" charset="-127"/>
+              <a:cs typeface="+mn-cs"/>
+            </a:endParaRPr>
+          </a:p>
+        </p:txBody>
+      </p:sp>
+      <p:sp>
+        <p:nvSpPr>
+          <p:cNvPr id="4" name="TextBox 3"/>
+          <p:cNvSpPr txBox="1"/>
+          <p:nvPr/>
+        </p:nvSpPr>
+        <p:spPr>
+          <a:xfrm>
+            <a:off x="1706988" y="521208"/>
+            <a:ext cx="7638180" cy="523220"/>
+          </a:xfrm>
+          <a:prstGeom prst="rect">
+            <a:avLst/>
+          </a:prstGeom>
+          <a:noFill/>
+        </p:spPr>
+        <p:txBody>
+          <a:bodyPr wrap="square" rtlCol="0">
+            <a:spAutoFit/>
+          </a:bodyPr>
+          <a:lstStyle/>
+          <a:p>
+            <a:pPr marL="0" marR="0" lvl="0" indent="0" algn="l" defTabSz="914400" rtl="0" eaLnBrk="1" fontAlgn="auto" latinLnBrk="1" hangingPunct="1">
+              <a:lnSpc>
+                <a:spcPct val="100000"/>
+              </a:lnSpc>
+              <a:spcBef>
+                <a:spcPts val="0"/>
+              </a:spcBef>
+              <a:spcAft>
+                <a:spcPts val="0"/>
+              </a:spcAft>
+              <a:buClrTx/>
+              <a:buSzTx/>
+              <a:buFontTx/>
+              <a:buNone/>
+              <a:tabLst/>
+              <a:defRPr/>
+            </a:pPr>
+            <a:r>
+              <a:rPr kumimoji="0" lang="en-US" altLang="ko-KR" sz="2800" b="0" i="0" u="none" strike="noStrike" kern="1200" cap="none" spc="0" normalizeH="0" baseline="0" noProof="0" dirty="0" smtClean="0">
+                <a:ln>
+                  <a:noFill/>
+                </a:ln>
+                <a:solidFill>
+                  <a:prstClr val="black"/>
+                </a:solidFill>
+                <a:effectLst/>
+                <a:uLnTx/>
+                <a:uFillTx/>
+                <a:latin typeface="HY견고딕" panose="02030600000101010101" pitchFamily="18" charset="-127"/>
+                <a:ea typeface="HY견고딕" panose="02030600000101010101" pitchFamily="18" charset="-127"/>
+                <a:cs typeface="+mn-cs"/>
+              </a:rPr>
+              <a:t>05. </a:t>
+            </a:r>
+            <a:r>
+              <a:rPr kumimoji="0" lang="ko-KR" altLang="en-US" sz="2800" b="0" i="0" u="none" strike="noStrike" kern="1200" cap="none" spc="0" normalizeH="0" baseline="0" noProof="0" dirty="0" smtClean="0">
+                <a:ln>
+                  <a:noFill/>
+                </a:ln>
+                <a:solidFill>
+                  <a:prstClr val="black"/>
+                </a:solidFill>
+                <a:effectLst/>
+                <a:uLnTx/>
+                <a:uFillTx/>
+                <a:latin typeface="HY견고딕" panose="02030600000101010101" pitchFamily="18" charset="-127"/>
+                <a:ea typeface="HY견고딕" panose="02030600000101010101" pitchFamily="18" charset="-127"/>
+                <a:cs typeface="+mn-cs"/>
+              </a:rPr>
+              <a:t>소감</a:t>
+            </a:r>
+            <a:r>
+              <a:rPr kumimoji="0" lang="en-US" altLang="ko-KR" sz="2800" b="0" i="0" u="none" strike="noStrike" kern="1200" cap="none" spc="0" normalizeH="0" baseline="0" noProof="0" dirty="0" smtClean="0">
+                <a:ln>
+                  <a:noFill/>
+                </a:ln>
+                <a:solidFill>
+                  <a:prstClr val="black"/>
+                </a:solidFill>
+                <a:effectLst/>
+                <a:uLnTx/>
+                <a:uFillTx/>
+                <a:latin typeface="HY견고딕" panose="02030600000101010101" pitchFamily="18" charset="-127"/>
+                <a:ea typeface="HY견고딕" panose="02030600000101010101" pitchFamily="18" charset="-127"/>
+                <a:cs typeface="+mn-cs"/>
+              </a:rPr>
+              <a:t>,</a:t>
+            </a:r>
+            <a:r>
+              <a:rPr kumimoji="0" lang="en-US" altLang="ko-KR" sz="2800" b="0" i="0" u="none" strike="noStrike" kern="1200" cap="none" spc="0" normalizeH="0" noProof="0" dirty="0" smtClean="0">
+                <a:ln>
+                  <a:noFill/>
+                </a:ln>
+                <a:solidFill>
+                  <a:prstClr val="black"/>
+                </a:solidFill>
+                <a:effectLst/>
+                <a:uLnTx/>
+                <a:uFillTx/>
+                <a:latin typeface="HY견고딕" panose="02030600000101010101" pitchFamily="18" charset="-127"/>
+                <a:ea typeface="HY견고딕" panose="02030600000101010101" pitchFamily="18" charset="-127"/>
+                <a:cs typeface="+mn-cs"/>
+              </a:rPr>
+              <a:t> </a:t>
+            </a:r>
+            <a:r>
+              <a:rPr kumimoji="0" lang="en-US" altLang="ko-KR" sz="2800" b="0" i="0" u="none" strike="noStrike" kern="1200" cap="none" spc="0" normalizeH="0" noProof="0" dirty="0" err="1" smtClean="0">
+                <a:ln>
+                  <a:noFill/>
+                </a:ln>
+                <a:solidFill>
+                  <a:prstClr val="black"/>
+                </a:solidFill>
+                <a:effectLst/>
+                <a:uLnTx/>
+                <a:uFillTx/>
+                <a:latin typeface="HY견고딕" panose="02030600000101010101" pitchFamily="18" charset="-127"/>
+                <a:ea typeface="HY견고딕" panose="02030600000101010101" pitchFamily="18" charset="-127"/>
+                <a:cs typeface="+mn-cs"/>
+              </a:rPr>
+              <a:t>QnA</a:t>
+            </a:r>
+            <a:endParaRPr kumimoji="0" lang="ko-KR" altLang="en-US" sz="2400" b="0" i="0" u="none" strike="noStrike" kern="1200" cap="none" spc="0" normalizeH="0" baseline="0" noProof="0" dirty="0">
+              <a:ln>
+                <a:noFill/>
+              </a:ln>
+              <a:solidFill>
+                <a:prstClr val="black"/>
+              </a:solidFill>
+              <a:effectLst/>
+              <a:uLnTx/>
+              <a:uFillTx/>
+              <a:latin typeface="HY견고딕" panose="02030600000101010101" pitchFamily="18" charset="-127"/>
+              <a:ea typeface="HY견고딕" panose="02030600000101010101" pitchFamily="18" charset="-127"/>
+              <a:cs typeface="+mn-cs"/>
+            </a:endParaRPr>
+          </a:p>
+        </p:txBody>
+      </p:sp>
+      <p:sp>
+        <p:nvSpPr>
+          <p:cNvPr id="8" name="TextBox 7"/>
+          <p:cNvSpPr txBox="1"/>
+          <p:nvPr/>
+        </p:nvSpPr>
+        <p:spPr>
+          <a:xfrm>
+            <a:off x="2159776" y="2984083"/>
+            <a:ext cx="7638180" cy="523220"/>
+          </a:xfrm>
+          <a:prstGeom prst="rect">
+            <a:avLst/>
+          </a:prstGeom>
+          <a:noFill/>
+        </p:spPr>
+        <p:txBody>
+          <a:bodyPr wrap="square" rtlCol="0">
+            <a:spAutoFit/>
+          </a:bodyPr>
+          <a:lstStyle/>
           <a:p>
             <a:pPr marL="0" marR="0" lvl="0" indent="0" algn="ctr" defTabSz="914400" rtl="0" eaLnBrk="1" fontAlgn="auto" latinLnBrk="1" hangingPunct="1">
               <a:lnSpc>
@@ -15362,38 +15685,14 @@
               <a:defRPr/>
             </a:pPr>
             <a:r>
-              <a:rPr kumimoji="0" lang="ko-KR" altLang="en-US" sz="2800" b="0" i="0" u="none" strike="noStrike" kern="1200" cap="none" spc="0" normalizeH="0" baseline="0" noProof="0" dirty="0">
-                <a:ln>
-                  <a:noFill/>
-                </a:ln>
+              <a:rPr lang="ko-KR" altLang="en-US" sz="2800" smtClean="0">
                 <a:solidFill>
                   <a:prstClr val="black"/>
                 </a:solidFill>
-                <a:effectLst/>
-                <a:uLnTx/>
-                <a:uFillTx/>
                 <a:latin typeface="HY견고딕" panose="02030600000101010101" pitchFamily="18" charset="-127"/>
                 <a:ea typeface="HY견고딕" panose="02030600000101010101" pitchFamily="18" charset="-127"/>
-                <a:cs typeface="+mn-cs"/>
               </a:rPr>
-              <a:t>감사합니다</a:t>
-            </a:r>
-            <a:r>
-              <a:rPr kumimoji="0" lang="en-US" altLang="ko-KR" sz="2800" b="0" i="0" u="none" strike="noStrike" kern="1200" cap="none" spc="0" normalizeH="0" baseline="0" noProof="0" dirty="0">
-                <a:ln>
-                  <a:noFill/>
-                </a:ln>
-                <a:solidFill>
-                  <a:prstClr val="black"/>
-                </a:solidFill>
-                <a:effectLst/>
-                <a:uLnTx/>
-                <a:uFillTx/>
-                <a:latin typeface="HY견고딕" panose="02030600000101010101" pitchFamily="18" charset="-127"/>
-                <a:ea typeface="HY견고딕" panose="02030600000101010101" pitchFamily="18" charset="-127"/>
-                <a:cs typeface="+mn-cs"/>
-              </a:rPr>
-              <a:t>.</a:t>
+              <a:t>소감문</a:t>
             </a:r>
             <a:endParaRPr kumimoji="0" lang="ko-KR" altLang="en-US" sz="2400" b="0" i="0" u="none" strike="noStrike" kern="1200" cap="none" spc="0" normalizeH="0" baseline="0" noProof="0" dirty="0">
               <a:ln>
@@ -15415,7 +15714,7 @@
     </p:spTree>
     <p:extLst>
       <p:ext uri="{BB962C8B-B14F-4D97-AF65-F5344CB8AC3E}">
-        <p14:creationId xmlns:p14="http://schemas.microsoft.com/office/powerpoint/2010/main" val="973057320"/>
+        <p14:creationId xmlns:p14="http://schemas.microsoft.com/office/powerpoint/2010/main" val="1351642181"/>
       </p:ext>
     </p:extLst>
   </p:cSld>
